--- a/Cybersecurity_RCOB_Presentation.pptx
+++ b/Cybersecurity_RCOB_Presentation.pptx
@@ -5521,7 +5521,18 @@
                 <a:ea typeface="Calibri" pitchFamily="34" charset="-122"/>
                 <a:cs typeface="Calibri" pitchFamily="34" charset="-120"/>
               </a:rPr>
-              <a:t>Mac: Turn on Time Machine — plug in an external drive and it backs up automatically</a:t>
+              <a:t>Mac: Turn on Time Machine — plug in an external drive and it backs </a:t>
+            </a:r>
+            <a:r>
+              <a:rPr lang="en-US" sz="1300">
+                <a:solidFill>
+                  <a:srgbClr val="1E293B"/>
+                </a:solidFill>
+                <a:latin typeface="Calibri" pitchFamily="34" charset="0"/>
+                <a:ea typeface="Calibri" pitchFamily="34" charset="-122"/>
+                <a:cs typeface="Calibri" pitchFamily="34" charset="-120"/>
+              </a:rPr>
+              <a:t>up automatically</a:t>
             </a:r>
             <a:endParaRPr lang="en-US" sz="1300" dirty="0"/>
           </a:p>
@@ -5542,9 +5553,8 @@
                 <a:ea typeface="Calibri" pitchFamily="34" charset="-122"/>
                 <a:cs typeface="Calibri" pitchFamily="34" charset="-120"/>
               </a:rPr>
-              <a:t>Windows: Use File History or a service like Backblaze ($7/month for unlimited)</a:t>
-            </a:r>
-            <a:endParaRPr lang="en-US" sz="1300" dirty="0"/>
+              <a:t>Windows: Use File History </a:t>
+            </a:r>
           </a:p>
           <a:p>
             <a:pPr marL="342900" indent="-342900">
@@ -7083,7 +7093,7 @@
         </p:blipFill>
         <p:spPr>
           <a:xfrm>
-            <a:off x="4114800" y="914400"/>
+            <a:off x="4114800" y="411480"/>
             <a:ext cx="914400" cy="914400"/>
           </a:xfrm>
           <a:prstGeom prst="rect">
@@ -7099,7 +7109,7 @@
         </p:nvSpPr>
         <p:spPr>
           <a:xfrm>
-            <a:off x="731520" y="2011680"/>
+            <a:off x="731520" y="1417320"/>
             <a:ext cx="7680960" cy="731520"/>
           </a:xfrm>
           <a:prstGeom prst="rect">
@@ -7138,7 +7148,7 @@
         </p:nvSpPr>
         <p:spPr>
           <a:xfrm>
-            <a:off x="731520" y="2834640"/>
+            <a:off x="731520" y="2148840"/>
             <a:ext cx="7680960" cy="457200"/>
           </a:xfrm>
           <a:prstGeom prst="rect">
@@ -7177,7 +7187,7 @@
         </p:nvSpPr>
         <p:spPr>
           <a:xfrm>
-            <a:off x="3200400" y="3566160"/>
+            <a:off x="3200400" y="2697480"/>
             <a:ext cx="2743200" cy="0"/>
           </a:xfrm>
           <a:prstGeom prst="line">
@@ -7207,7 +7217,7 @@
         </p:nvSpPr>
         <p:spPr>
           <a:xfrm>
-            <a:off x="731520" y="3749040"/>
+            <a:off x="731520" y="2834640"/>
             <a:ext cx="7680960" cy="365760"/>
           </a:xfrm>
           <a:prstGeom prst="rect">
@@ -7220,9 +7230,7 @@
           <a:bodyPr wrap="square" rtlCol="0" anchor="ctr"/>
           <a:lstStyle/>
           <a:p>
-            <a:pPr marL="0" indent="0" algn="ctr">
-              <a:buNone/>
-            </a:pPr>
+            <a:pPr algn="ctr"/>
             <a:r>
               <a:rPr lang="en-US" sz="1500" dirty="0">
                 <a:solidFill>
@@ -7232,7 +7240,7 @@
                 <a:ea typeface="Calibri" pitchFamily="34" charset="-122"/>
                 <a:cs typeface="Calibri" pitchFamily="34" charset="-120"/>
               </a:rPr>
-              <a:t>Aaron Booker  •  </a:t>
+              <a:t>Aaron Booker • (360) 920-1339 •  </a:t>
             </a:r>
             <a:r>
               <a:rPr lang="en-US" sz="1500" dirty="0" err="1">
@@ -7246,6 +7254,117 @@
               <a:t>booker.aaron@gmail.com</a:t>
             </a:r>
             <a:endParaRPr lang="en-US" sz="1500" dirty="0"/>
+          </a:p>
+        </p:txBody>
+      </p:sp>
+      <p:pic>
+        <p:nvPicPr>
+          <p:cNvPr id="8" name="Picture 7" descr="qr_code.png"/>
+          <p:cNvPicPr>
+            <a:picLocks noChangeAspect="1"/>
+          </p:cNvPicPr>
+          <p:nvPr/>
+        </p:nvPicPr>
+        <p:blipFill>
+          <a:blip r:embed="rId4"/>
+          <a:stretch>
+            <a:fillRect/>
+          </a:stretch>
+        </p:blipFill>
+        <p:spPr>
+          <a:xfrm>
+            <a:off x="5222448" y="3271571"/>
+            <a:ext cx="1555423" cy="1555423"/>
+          </a:xfrm>
+          <a:prstGeom prst="rect">
+            <a:avLst/>
+          </a:prstGeom>
+        </p:spPr>
+      </p:pic>
+      <p:sp>
+        <p:nvSpPr>
+          <p:cNvPr id="9" name="TextBox 8"/>
+          <p:cNvSpPr txBox="1"/>
+          <p:nvPr/>
+        </p:nvSpPr>
+        <p:spPr>
+          <a:xfrm>
+            <a:off x="98981" y="3728772"/>
+            <a:ext cx="5043341" cy="707886"/>
+          </a:xfrm>
+          <a:prstGeom prst="rect">
+            <a:avLst/>
+          </a:prstGeom>
+          <a:noFill/>
+        </p:spPr>
+        <p:txBody>
+          <a:bodyPr wrap="square">
+            <a:spAutoFit/>
+          </a:bodyPr>
+          <a:lstStyle/>
+          <a:p>
+            <a:pPr algn="r"/>
+            <a:r>
+              <a:rPr sz="2000" dirty="0">
+                <a:solidFill>
+                  <a:srgbClr val="CBD5E1"/>
+                </a:solidFill>
+                <a:latin typeface="Calibri"/>
+              </a:rPr>
+              <a:t>Scan for your Action Guide  </a:t>
+            </a:r>
+            <a:r>
+              <a:rPr lang="en-US" sz="2000" dirty="0">
+                <a:solidFill>
+                  <a:srgbClr val="CBD5E1"/>
+                </a:solidFill>
+                <a:latin typeface="Calibri"/>
+                <a:sym typeface="Wingdings" pitchFamily="2" charset="2"/>
+              </a:rPr>
+              <a:t></a:t>
+            </a:r>
+            <a:r>
+              <a:rPr sz="2000" dirty="0">
+                <a:solidFill>
+                  <a:srgbClr val="CBD5E1"/>
+                </a:solidFill>
+                <a:latin typeface="Calibri"/>
+              </a:rPr>
+              <a:t> </a:t>
+            </a:r>
+            <a:r>
+              <a:rPr sz="2000" b="1" dirty="0" err="1">
+                <a:solidFill>
+                  <a:srgbClr val="0D9488"/>
+                </a:solidFill>
+                <a:latin typeface="Calibri"/>
+              </a:rPr>
+              <a:t>aaronbooker.github.io</a:t>
+            </a:r>
+            <a:r>
+              <a:rPr sz="2000" b="1" dirty="0">
+                <a:solidFill>
+                  <a:srgbClr val="0D9488"/>
+                </a:solidFill>
+                <a:latin typeface="Calibri"/>
+              </a:rPr>
+              <a:t>/</a:t>
+            </a:r>
+            <a:r>
+              <a:rPr sz="2000" b="1" dirty="0" err="1">
+                <a:solidFill>
+                  <a:srgbClr val="0D9488"/>
+                </a:solidFill>
+                <a:latin typeface="Calibri"/>
+              </a:rPr>
+              <a:t>personalcybersecurity</a:t>
+            </a:r>
+            <a:endParaRPr sz="2000" b="1" dirty="0">
+              <a:solidFill>
+                <a:srgbClr val="0D9488"/>
+              </a:solidFill>
+              <a:latin typeface="Calibri"/>
+            </a:endParaRPr>
           </a:p>
         </p:txBody>
       </p:sp>

--- a/Cybersecurity_RCOB_Presentation.pptx
+++ b/Cybersecurity_RCOB_Presentation.pptx
@@ -7251,7 +7251,7 @@
                 <a:ea typeface="Calibri" pitchFamily="34" charset="-122"/>
                 <a:cs typeface="Calibri" pitchFamily="34" charset="-120"/>
               </a:rPr>
-              <a:t>booker.aaron@gmail.com</a:t>
+              <a:t>aaronb@hardlines.com</a:t>
             </a:r>
             <a:endParaRPr lang="en-US" sz="1500" dirty="0"/>
           </a:p>
@@ -7289,8 +7289,8 @@
         </p:nvSpPr>
         <p:spPr>
           <a:xfrm>
-            <a:off x="98981" y="3728772"/>
-            <a:ext cx="5043341" cy="707886"/>
+            <a:off x="1460112" y="3695339"/>
+            <a:ext cx="3480576" cy="707886"/>
           </a:xfrm>
           <a:prstGeom prst="rect">
             <a:avLst/>
@@ -7333,13 +7333,14 @@
               <a:t> </a:t>
             </a:r>
             <a:r>
-              <a:rPr sz="2000" b="1" dirty="0" err="1">
+              <a:rPr lang="en-US" sz="2000" b="1" dirty="0">
                 <a:solidFill>
                   <a:srgbClr val="0D9488"/>
                 </a:solidFill>
                 <a:latin typeface="Calibri"/>
-              </a:rPr>
-              <a:t>aaronbooker.github.io</a:t>
+                <a:hlinkClick r:id="rId5"/>
+              </a:rPr>
+              <a:t>https://a</a:t>
             </a:r>
             <a:r>
               <a:rPr sz="2000" b="1" dirty="0">
@@ -7347,17 +7348,9 @@
                   <a:srgbClr val="0D9488"/>
                 </a:solidFill>
                 <a:latin typeface="Calibri"/>
-              </a:rPr>
-              <a:t>/</a:t>
-            </a:r>
-            <a:r>
-              <a:rPr sz="2000" b="1" dirty="0" err="1">
-                <a:solidFill>
-                  <a:srgbClr val="0D9488"/>
-                </a:solidFill>
-                <a:latin typeface="Calibri"/>
-              </a:rPr>
-              <a:t>personalcybersecurity</a:t>
+                <a:hlinkClick r:id="rId5"/>
+              </a:rPr>
+              <a:t>aronbooker.com</a:t>
             </a:r>
             <a:endParaRPr sz="2000" b="1" dirty="0">
               <a:solidFill>
